--- a/presentation/presentation.pptx
+++ b/presentation/presentation.pptx
@@ -12,13 +12,15 @@
     <p:sldId id="261" r:id="rId6"/>
     <p:sldId id="259" r:id="rId7"/>
     <p:sldId id="262" r:id="rId8"/>
-    <p:sldId id="263" r:id="rId9"/>
-    <p:sldId id="264" r:id="rId10"/>
-    <p:sldId id="265" r:id="rId11"/>
-    <p:sldId id="266" r:id="rId12"/>
-    <p:sldId id="267" r:id="rId13"/>
-    <p:sldId id="268" r:id="rId14"/>
-    <p:sldId id="269" r:id="rId15"/>
+    <p:sldId id="271" r:id="rId9"/>
+    <p:sldId id="263" r:id="rId10"/>
+    <p:sldId id="264" r:id="rId11"/>
+    <p:sldId id="265" r:id="rId12"/>
+    <p:sldId id="266" r:id="rId13"/>
+    <p:sldId id="267" r:id="rId14"/>
+    <p:sldId id="270" r:id="rId15"/>
+    <p:sldId id="268" r:id="rId16"/>
+    <p:sldId id="269" r:id="rId17"/>
   </p:sldIdLst>
   <p:sldSz cx="9144000" cy="6858000" type="screen4x3"/>
   <p:notesSz cx="6858000" cy="9144000"/>
@@ -3906,15 +3908,7 @@
             </a:br>
             <a:r>
               <a:rPr lang="en-US" sz="3200" dirty="0" smtClean="0"/>
-              <a:t>(</a:t>
-            </a:r>
-            <a:r>
-              <a:rPr lang="en-US" sz="3200" dirty="0"/>
-              <a:t>SENTAPY </a:t>
-            </a:r>
-            <a:r>
-              <a:rPr lang="en-US" sz="3200" dirty="0" smtClean="0"/>
-              <a:t>)</a:t>
+              <a:t>(SENTAPY)</a:t>
             </a:r>
             <a:endParaRPr lang="en-US" sz="3200" dirty="0"/>
           </a:p>
@@ -3965,6 +3959,238 @@
           <a:bodyPr/>
           <a:lstStyle/>
           <a:p>
+            <a:pPr marL="274320" lvl="1" indent="-228600">
+              <a:buClr>
+                <a:schemeClr val="accent1"/>
+              </a:buClr>
+              <a:buFont typeface="Wingdings 2" pitchFamily="18" charset="2"/>
+              <a:buChar char=""/>
+            </a:pPr>
+            <a:r>
+              <a:rPr lang="en-US" sz="2000" dirty="0" smtClean="0"/>
+              <a:t>Vector class</a:t>
+            </a:r>
+          </a:p>
+          <a:p>
+            <a:pPr marL="548640" lvl="2" indent="-228600">
+              <a:buClr>
+                <a:schemeClr val="accent1"/>
+              </a:buClr>
+              <a:buFont typeface="Wingdings 2" pitchFamily="18" charset="2"/>
+              <a:buChar char=""/>
+            </a:pPr>
+            <a:r>
+              <a:rPr lang="en-US" dirty="0" smtClean="0"/>
+              <a:t>An extended dictionary</a:t>
+            </a:r>
+          </a:p>
+          <a:p>
+            <a:pPr marL="548640" lvl="2" indent="-228600">
+              <a:buClr>
+                <a:schemeClr val="accent1"/>
+              </a:buClr>
+              <a:buFont typeface="Wingdings 2" pitchFamily="18" charset="2"/>
+              <a:buChar char=""/>
+            </a:pPr>
+            <a:r>
+              <a:rPr lang="en-US" sz="1800" dirty="0" smtClean="0"/>
+              <a:t>{ “</a:t>
+            </a:r>
+            <a:r>
+              <a:rPr lang="en-US" sz="1800" dirty="0" err="1" smtClean="0"/>
+              <a:t>sentinment</a:t>
+            </a:r>
+            <a:r>
+              <a:rPr lang="en-US" sz="1800" dirty="0" smtClean="0"/>
+              <a:t>” : { “feature1”:freq/total, “feature2”:freq/total, … } }</a:t>
+            </a:r>
+          </a:p>
+          <a:p>
+            <a:pPr marL="274320" lvl="1" indent="-228600">
+              <a:buClr>
+                <a:schemeClr val="accent1"/>
+              </a:buClr>
+              <a:buFont typeface="Wingdings 2" pitchFamily="18" charset="2"/>
+              <a:buChar char=""/>
+            </a:pPr>
+            <a:r>
+              <a:rPr lang="en-US" sz="2000" dirty="0" smtClean="0"/>
+              <a:t>Count feature word frequency and normalize vector </a:t>
+            </a:r>
+          </a:p>
+          <a:p>
+            <a:r>
+              <a:rPr lang="en-US" dirty="0" smtClean="0"/>
+              <a:t>sanitize() - sanitizes tweet</a:t>
+            </a:r>
+          </a:p>
+          <a:p>
+            <a:pPr lvl="1"/>
+            <a:r>
+              <a:rPr lang="en-US" dirty="0" smtClean="0"/>
+              <a:t>Filter out useless (absence of sentiment) data</a:t>
+            </a:r>
+          </a:p>
+          <a:p>
+            <a:pPr lvl="1"/>
+            <a:r>
+              <a:rPr lang="en-US" dirty="0" smtClean="0"/>
+              <a:t>Remove @username, RT (</a:t>
+            </a:r>
+            <a:r>
+              <a:rPr lang="en-US" dirty="0" err="1" smtClean="0"/>
+              <a:t>retweet</a:t>
+            </a:r>
+            <a:r>
+              <a:rPr lang="en-US" dirty="0" smtClean="0"/>
+              <a:t>), #</a:t>
+            </a:r>
+            <a:r>
+              <a:rPr lang="en-US" dirty="0" err="1" smtClean="0"/>
+              <a:t>hashtag</a:t>
+            </a:r>
+            <a:r>
+              <a:rPr lang="en-US" dirty="0" smtClean="0"/>
+              <a:t>, URLs, </a:t>
+            </a:r>
+            <a:r>
+              <a:rPr lang="en-US" dirty="0" err="1" smtClean="0"/>
+              <a:t>stopwords</a:t>
+            </a:r>
+            <a:r>
+              <a:rPr lang="en-US" dirty="0" smtClean="0"/>
+              <a:t>, most punctuation</a:t>
+            </a:r>
+          </a:p>
+          <a:p>
+            <a:pPr lvl="1"/>
+            <a:r>
+              <a:rPr lang="en-US" dirty="0" smtClean="0"/>
+              <a:t>“RT @</a:t>
+            </a:r>
+            <a:r>
+              <a:rPr lang="en-US" dirty="0" err="1" smtClean="0"/>
+              <a:t>nishad</a:t>
+            </a:r>
+            <a:r>
+              <a:rPr lang="en-US" dirty="0" smtClean="0"/>
+              <a:t> very excited for the summer!” =&gt; [“excited”, “summer”]</a:t>
+            </a:r>
+          </a:p>
+          <a:p>
+            <a:pPr lvl="1"/>
+            <a:r>
+              <a:rPr lang="en-US" dirty="0" smtClean="0"/>
+              <a:t>Used </a:t>
+            </a:r>
+            <a:r>
+              <a:rPr lang="en-US" dirty="0" err="1" smtClean="0"/>
+              <a:t>nltk.stopwords</a:t>
+            </a:r>
+            <a:r>
+              <a:rPr lang="en-US" dirty="0" smtClean="0"/>
+              <a:t>, regular expressions for punctuation</a:t>
+            </a:r>
+          </a:p>
+          <a:p>
+            <a:pPr lvl="1"/>
+            <a:endParaRPr lang="en-US" dirty="0" smtClean="0"/>
+          </a:p>
+          <a:p>
+            <a:pPr lvl="1"/>
+            <a:endParaRPr lang="en-US" dirty="0" smtClean="0"/>
+          </a:p>
+          <a:p>
+            <a:pPr marL="365760" lvl="1" indent="0">
+              <a:buNone/>
+            </a:pPr>
+            <a:endParaRPr lang="en-US" dirty="0" smtClean="0"/>
+          </a:p>
+          <a:p>
+            <a:pPr lvl="2"/>
+            <a:endParaRPr lang="en-US" dirty="0" smtClean="0"/>
+          </a:p>
+          <a:p>
+            <a:pPr lvl="2"/>
+            <a:endParaRPr lang="en-US" dirty="0" smtClean="0"/>
+          </a:p>
+        </p:txBody>
+      </p:sp>
+      <p:sp>
+        <p:nvSpPr>
+          <p:cNvPr id="3" name="Title 2"/>
+          <p:cNvSpPr>
+            <a:spLocks noGrp="1"/>
+          </p:cNvSpPr>
+          <p:nvPr>
+            <p:ph type="title"/>
+          </p:nvPr>
+        </p:nvSpPr>
+        <p:spPr/>
+        <p:txBody>
+          <a:bodyPr/>
+          <a:lstStyle/>
+          <a:p>
+            <a:r>
+              <a:rPr lang="en-US" dirty="0" smtClean="0"/>
+              <a:t>TRAINING (cont.)</a:t>
+            </a:r>
+            <a:endParaRPr lang="en-US" dirty="0"/>
+          </a:p>
+        </p:txBody>
+      </p:sp>
+    </p:spTree>
+    <p:extLst>
+      <p:ext uri="{BB962C8B-B14F-4D97-AF65-F5344CB8AC3E}">
+        <p14:creationId xmlns:p14="http://schemas.microsoft.com/office/powerpoint/2010/main" val="1237635951"/>
+      </p:ext>
+    </p:extLst>
+  </p:cSld>
+  <p:clrMapOvr>
+    <a:masterClrMapping/>
+  </p:clrMapOvr>
+  <p:timing>
+    <p:tnLst>
+      <p:par>
+        <p:cTn xmlns:p14="http://schemas.microsoft.com/office/powerpoint/2010/main" id="1" dur="indefinite" restart="never" nodeType="tmRoot"/>
+      </p:par>
+    </p:tnLst>
+  </p:timing>
+</p:sld>
+</file>
+
+<file path=ppt/slides/slide11.xml><?xml version="1.0" encoding="utf-8"?>
+<p:sld xmlns:a="http://schemas.openxmlformats.org/drawingml/2006/main" xmlns:r="http://schemas.openxmlformats.org/officeDocument/2006/relationships" xmlns:p="http://schemas.openxmlformats.org/presentationml/2006/main">
+  <p:cSld>
+    <p:spTree>
+      <p:nvGrpSpPr>
+        <p:cNvPr id="1" name=""/>
+        <p:cNvGrpSpPr/>
+        <p:nvPr/>
+      </p:nvGrpSpPr>
+      <p:grpSpPr>
+        <a:xfrm>
+          <a:off x="0" y="0"/>
+          <a:ext cx="0" cy="0"/>
+          <a:chOff x="0" y="0"/>
+          <a:chExt cx="0" cy="0"/>
+        </a:xfrm>
+      </p:grpSpPr>
+      <p:sp>
+        <p:nvSpPr>
+          <p:cNvPr id="2" name="Content Placeholder 1"/>
+          <p:cNvSpPr>
+            <a:spLocks noGrp="1"/>
+          </p:cNvSpPr>
+          <p:nvPr>
+            <p:ph idx="1"/>
+          </p:nvPr>
+        </p:nvSpPr>
+        <p:spPr/>
+        <p:txBody>
+          <a:bodyPr/>
+          <a:lstStyle/>
+          <a:p>
             <a:r>
               <a:rPr lang="en-US" dirty="0" smtClean="0"/>
               <a:t>Post-training</a:t>
@@ -4062,7 +4288,7 @@
 </p:sld>
 </file>
 
-<file path=ppt/slides/slide11.xml><?xml version="1.0" encoding="utf-8"?>
+<file path=ppt/slides/slide12.xml><?xml version="1.0" encoding="utf-8"?>
 <p:sld xmlns:a="http://schemas.openxmlformats.org/drawingml/2006/main" xmlns:r="http://schemas.openxmlformats.org/officeDocument/2006/relationships" xmlns:p="http://schemas.openxmlformats.org/presentationml/2006/main">
   <p:cSld>
     <p:spTree>
@@ -4178,7 +4404,7 @@
 </p:sld>
 </file>
 
-<file path=ppt/slides/slide12.xml><?xml version="1.0" encoding="utf-8"?>
+<file path=ppt/slides/slide13.xml><?xml version="1.0" encoding="utf-8"?>
 <p:sld xmlns:a="http://schemas.openxmlformats.org/drawingml/2006/main" xmlns:r="http://schemas.openxmlformats.org/officeDocument/2006/relationships" xmlns:p="http://schemas.openxmlformats.org/presentationml/2006/main">
   <p:cSld>
     <p:spTree>
@@ -4268,7 +4494,7 @@
 </p:sld>
 </file>
 
-<file path=ppt/slides/slide13.xml><?xml version="1.0" encoding="utf-8"?>
+<file path=ppt/slides/slide14.xml><?xml version="1.0" encoding="utf-8"?>
 <p:sld xmlns:a="http://schemas.openxmlformats.org/drawingml/2006/main" xmlns:r="http://schemas.openxmlformats.org/officeDocument/2006/relationships" xmlns:p="http://schemas.openxmlformats.org/presentationml/2006/main">
   <p:cSld>
     <p:spTree>
@@ -4295,6 +4521,171 @@
             <p:ph idx="1"/>
           </p:nvPr>
         </p:nvSpPr>
+        <p:spPr/>
+        <p:txBody>
+          <a:bodyPr/>
+          <a:lstStyle/>
+          <a:p>
+            <a:r>
+              <a:rPr lang="en-US" dirty="0" smtClean="0"/>
+              <a:t>Trained classifier w/ positive and negative tweets data set</a:t>
+            </a:r>
+          </a:p>
+          <a:p>
+            <a:r>
+              <a:rPr lang="en-US" dirty="0" smtClean="0"/>
+              <a:t>High Precision – “Returning substantially more relevant results than irrelevant”</a:t>
+            </a:r>
+          </a:p>
+          <a:p>
+            <a:pPr lvl="1"/>
+            <a:r>
+              <a:rPr lang="en-US" dirty="0" smtClean="0"/>
+              <a:t>0.90</a:t>
+            </a:r>
+          </a:p>
+          <a:p>
+            <a:pPr lvl="0">
+              <a:buClr>
+                <a:srgbClr val="C66951"/>
+              </a:buClr>
+            </a:pPr>
+            <a:r>
+              <a:rPr lang="en-US" dirty="0" smtClean="0">
+                <a:solidFill>
+                  <a:srgbClr val="534949"/>
+                </a:solidFill>
+              </a:rPr>
+              <a:t>High Recall– “Returning most of the relevant results”</a:t>
+            </a:r>
+          </a:p>
+          <a:p>
+            <a:pPr lvl="1">
+              <a:buClr>
+                <a:srgbClr val="C66951"/>
+              </a:buClr>
+            </a:pPr>
+            <a:r>
+              <a:rPr lang="en-US" dirty="0" smtClean="0">
+                <a:solidFill>
+                  <a:srgbClr val="534949"/>
+                </a:solidFill>
+              </a:rPr>
+              <a:t>0.88</a:t>
+            </a:r>
+            <a:endParaRPr lang="en-US" dirty="0" smtClean="0"/>
+          </a:p>
+          <a:p>
+            <a:pPr lvl="0">
+              <a:buClr>
+                <a:srgbClr val="C66951"/>
+              </a:buClr>
+            </a:pPr>
+            <a:r>
+              <a:rPr lang="en-US" dirty="0" smtClean="0">
+                <a:solidFill>
+                  <a:srgbClr val="534949"/>
+                </a:solidFill>
+              </a:rPr>
+              <a:t>F-Score– “Measure accuracy using precision and recall”</a:t>
+            </a:r>
+          </a:p>
+          <a:p>
+            <a:pPr lvl="1">
+              <a:buClr>
+                <a:srgbClr val="C66951"/>
+              </a:buClr>
+            </a:pPr>
+            <a:r>
+              <a:rPr lang="en-US" smtClean="0">
+                <a:solidFill>
+                  <a:srgbClr val="534949"/>
+                </a:solidFill>
+              </a:rPr>
+              <a:t>0.89</a:t>
+            </a:r>
+            <a:endParaRPr lang="en-US" dirty="0">
+              <a:solidFill>
+                <a:srgbClr val="534949"/>
+              </a:solidFill>
+            </a:endParaRPr>
+          </a:p>
+          <a:p>
+            <a:pPr lvl="1"/>
+            <a:endParaRPr lang="en-US" dirty="0" smtClean="0"/>
+          </a:p>
+        </p:txBody>
+      </p:sp>
+      <p:sp>
+        <p:nvSpPr>
+          <p:cNvPr id="3" name="Title 2"/>
+          <p:cNvSpPr>
+            <a:spLocks noGrp="1"/>
+          </p:cNvSpPr>
+          <p:nvPr>
+            <p:ph type="title"/>
+          </p:nvPr>
+        </p:nvSpPr>
+        <p:spPr/>
+        <p:txBody>
+          <a:bodyPr/>
+          <a:lstStyle/>
+          <a:p>
+            <a:r>
+              <a:rPr lang="en-US" dirty="0" smtClean="0"/>
+              <a:t>results</a:t>
+            </a:r>
+            <a:endParaRPr lang="en-US" dirty="0"/>
+          </a:p>
+        </p:txBody>
+      </p:sp>
+    </p:spTree>
+    <p:extLst>
+      <p:ext uri="{BB962C8B-B14F-4D97-AF65-F5344CB8AC3E}">
+        <p14:creationId xmlns:p14="http://schemas.microsoft.com/office/powerpoint/2010/main" val="3399376478"/>
+      </p:ext>
+    </p:extLst>
+  </p:cSld>
+  <p:clrMapOvr>
+    <a:masterClrMapping/>
+  </p:clrMapOvr>
+  <p:timing>
+    <p:tnLst>
+      <p:par>
+        <p:cTn xmlns:p14="http://schemas.microsoft.com/office/powerpoint/2010/main" id="1" dur="indefinite" restart="never" nodeType="tmRoot"/>
+      </p:par>
+    </p:tnLst>
+  </p:timing>
+</p:sld>
+</file>
+
+<file path=ppt/slides/slide15.xml><?xml version="1.0" encoding="utf-8"?>
+<p:sld xmlns:a="http://schemas.openxmlformats.org/drawingml/2006/main" xmlns:r="http://schemas.openxmlformats.org/officeDocument/2006/relationships" xmlns:p="http://schemas.openxmlformats.org/presentationml/2006/main">
+  <p:cSld>
+    <p:spTree>
+      <p:nvGrpSpPr>
+        <p:cNvPr id="1" name=""/>
+        <p:cNvGrpSpPr/>
+        <p:nvPr/>
+      </p:nvGrpSpPr>
+      <p:grpSpPr>
+        <a:xfrm>
+          <a:off x="0" y="0"/>
+          <a:ext cx="0" cy="0"/>
+          <a:chOff x="0" y="0"/>
+          <a:chExt cx="0" cy="0"/>
+        </a:xfrm>
+      </p:grpSpPr>
+      <p:sp>
+        <p:nvSpPr>
+          <p:cNvPr id="2" name="Content Placeholder 1"/>
+          <p:cNvSpPr>
+            <a:spLocks noGrp="1"/>
+          </p:cNvSpPr>
+          <p:nvPr>
+            <p:ph idx="1"/>
+          </p:nvPr>
+        </p:nvSpPr>
         <p:spPr>
           <a:xfrm>
             <a:off x="380999" y="1719071"/>
@@ -4338,6 +4729,10 @@
           <a:bodyPr/>
           <a:lstStyle/>
           <a:p>
+            <a:r>
+              <a:rPr lang="en-US" dirty="0" smtClean="0"/>
+              <a:t>Machine learning</a:t>
+            </a:r>
             <a:endParaRPr lang="en-US" dirty="0"/>
           </a:p>
         </p:txBody>
@@ -4594,7 +4989,7 @@
 </p:sld>
 </file>
 
-<file path=ppt/slides/slide14.xml><?xml version="1.0" encoding="utf-8"?>
+<file path=ppt/slides/slide16.xml><?xml version="1.0" encoding="utf-8"?>
 <p:sld xmlns:a="http://schemas.openxmlformats.org/drawingml/2006/main" xmlns:r="http://schemas.openxmlformats.org/officeDocument/2006/relationships" xmlns:p="http://schemas.openxmlformats.org/presentationml/2006/main">
   <p:cSld>
     <p:spTree>
@@ -4623,7 +5018,9 @@
         </p:nvSpPr>
         <p:spPr/>
         <p:txBody>
-          <a:bodyPr/>
+          <a:bodyPr>
+            <a:normAutofit fontScale="92500" lnSpcReduction="10000"/>
+          </a:bodyPr>
           <a:lstStyle/>
           <a:p>
             <a:r>
@@ -4639,6 +5036,84 @@
           </a:p>
           <a:p>
             <a:r>
+              <a:rPr lang="en-US" dirty="0" err="1" smtClean="0"/>
+              <a:t>Stopword</a:t>
+            </a:r>
+            <a:r>
+              <a:rPr lang="en-US" dirty="0" smtClean="0"/>
+              <a:t> negations</a:t>
+            </a:r>
+          </a:p>
+          <a:p>
+            <a:r>
+              <a:rPr lang="en-US" dirty="0" smtClean="0"/>
+              <a:t>Feature word imbalance</a:t>
+            </a:r>
+          </a:p>
+          <a:p>
+            <a:pPr lvl="1"/>
+            <a:r>
+              <a:rPr lang="en-US" dirty="0" smtClean="0"/>
+              <a:t>“I love to kill” </a:t>
+            </a:r>
+            <a:r>
+              <a:rPr lang="en-US" dirty="0" err="1" smtClean="0"/>
+              <a:t>vs</a:t>
+            </a:r>
+            <a:r>
+              <a:rPr lang="en-US" dirty="0" smtClean="0"/>
+              <a:t> “I like to kill”</a:t>
+            </a:r>
+          </a:p>
+          <a:p>
+            <a:r>
+              <a:rPr lang="en-US" dirty="0" smtClean="0"/>
+              <a:t>Missing information</a:t>
+            </a:r>
+          </a:p>
+          <a:p>
+            <a:r>
+              <a:rPr lang="en-US" dirty="0" smtClean="0"/>
+              <a:t>Training data</a:t>
+            </a:r>
+          </a:p>
+          <a:p>
+            <a:pPr lvl="1"/>
+            <a:r>
+              <a:rPr lang="en-US" dirty="0" smtClean="0"/>
+              <a:t>What makes good data?</a:t>
+            </a:r>
+          </a:p>
+          <a:p>
+            <a:pPr lvl="2"/>
+            <a:r>
+              <a:rPr lang="en-US" dirty="0" smtClean="0"/>
+              <a:t>Quantity </a:t>
+            </a:r>
+          </a:p>
+          <a:p>
+            <a:pPr lvl="2"/>
+            <a:r>
+              <a:rPr lang="en-US" dirty="0" smtClean="0"/>
+              <a:t>Quality</a:t>
+            </a:r>
+          </a:p>
+          <a:p>
+            <a:pPr lvl="3"/>
+            <a:r>
+              <a:rPr lang="en-US" dirty="0" smtClean="0"/>
+              <a:t>Diverse</a:t>
+            </a:r>
+          </a:p>
+          <a:p>
+            <a:pPr lvl="3"/>
+            <a:r>
+              <a:rPr lang="en-US" dirty="0" smtClean="0"/>
+              <a:t>Teens corrupt data</a:t>
+            </a:r>
+          </a:p>
+          <a:p>
+            <a:r>
               <a:rPr lang="en-US" dirty="0" smtClean="0"/>
               <a:t>Word Sense/Ambiguity</a:t>
             </a:r>
@@ -4648,6 +5123,13 @@
             <a:r>
               <a:rPr lang="en-US" dirty="0" smtClean="0"/>
               <a:t>“Finals” (exams or sports?)</a:t>
+            </a:r>
+          </a:p>
+          <a:p>
+            <a:pPr lvl="1"/>
+            <a:r>
+              <a:rPr lang="en-US" dirty="0" smtClean="0"/>
+              <a:t>“Cancer” (disease or sign?)</a:t>
             </a:r>
           </a:p>
         </p:txBody>
@@ -4697,8 +5179,8 @@
         </p:blipFill>
         <p:spPr>
           <a:xfrm>
-            <a:off x="4157726" y="1688939"/>
-            <a:ext cx="4811569" cy="4682496"/>
+            <a:off x="4337932" y="1864311"/>
+            <a:ext cx="4631363" cy="4507124"/>
           </a:xfrm>
           <a:prstGeom prst="rect">
             <a:avLst/>
@@ -5011,6 +5493,13 @@
   <p:clrMapOvr>
     <a:masterClrMapping/>
   </p:clrMapOvr>
+  <p:timing>
+    <p:tnLst>
+      <p:par>
+        <p:cTn xmlns:p14="http://schemas.microsoft.com/office/powerpoint/2010/main" id="1" dur="indefinite" restart="never" nodeType="tmRoot"/>
+      </p:par>
+    </p:tnLst>
+  </p:timing>
 </p:sld>
 </file>
 
@@ -5054,9 +5543,68 @@
           <a:p>
             <a:r>
               <a:rPr lang="en-US" dirty="0" smtClean="0"/>
-              <a:t>What ages are suitable to watch a video</a:t>
-            </a:r>
-            <a:endParaRPr lang="en-US" dirty="0"/>
+              <a:t>What ages are suitable to read a certain text?</a:t>
+            </a:r>
+          </a:p>
+          <a:p>
+            <a:r>
+              <a:rPr lang="en-US" dirty="0" smtClean="0"/>
+              <a:t>Stocks</a:t>
+            </a:r>
+          </a:p>
+          <a:p>
+            <a:pPr lvl="1"/>
+            <a:r>
+              <a:rPr lang="en-US" dirty="0" smtClean="0"/>
+              <a:t>“Financial markets aren’t rational. Emotions influence asset pricing.” – SNTMNT</a:t>
+            </a:r>
+          </a:p>
+          <a:p>
+            <a:pPr lvl="1"/>
+            <a:r>
+              <a:rPr lang="en-US" dirty="0" smtClean="0"/>
+              <a:t>Great Depression</a:t>
+            </a:r>
+          </a:p>
+          <a:p>
+            <a:pPr lvl="2"/>
+            <a:r>
+              <a:rPr lang="en-US" u="sng" dirty="0" smtClean="0"/>
+              <a:t>Fear</a:t>
+            </a:r>
+            <a:r>
+              <a:rPr lang="en-US" dirty="0" smtClean="0"/>
+              <a:t> of economic condition</a:t>
+            </a:r>
+          </a:p>
+          <a:p>
+            <a:pPr lvl="1"/>
+            <a:r>
+              <a:rPr lang="en-US" dirty="0" smtClean="0"/>
+              <a:t>Analyze all collected content</a:t>
+            </a:r>
+          </a:p>
+          <a:p>
+            <a:pPr lvl="2"/>
+            <a:r>
+              <a:rPr lang="en-US" dirty="0" smtClean="0"/>
+              <a:t>Move beyond polarity—include factors of impact of post, influence of author</a:t>
+            </a:r>
+          </a:p>
+          <a:p>
+            <a:pPr lvl="2"/>
+            <a:r>
+              <a:rPr lang="en-US" dirty="0" smtClean="0"/>
+              <a:t>70% accuracy level (</a:t>
+            </a:r>
+            <a:r>
+              <a:rPr lang="en-US" dirty="0" err="1" smtClean="0"/>
+              <a:t>Stockfluence</a:t>
+            </a:r>
+            <a:r>
+              <a:rPr lang="en-US" dirty="0" smtClean="0"/>
+              <a:t>)</a:t>
+            </a:r>
           </a:p>
         </p:txBody>
       </p:sp>
@@ -5093,6 +5641,13 @@
   <p:clrMapOvr>
     <a:masterClrMapping/>
   </p:clrMapOvr>
+  <p:timing>
+    <p:tnLst>
+      <p:par>
+        <p:cTn xmlns:p14="http://schemas.microsoft.com/office/powerpoint/2010/main" id="1" dur="indefinite" restart="never" nodeType="tmRoot"/>
+      </p:par>
+    </p:tnLst>
+  </p:timing>
 </p:sld>
 </file>
 
@@ -5125,7 +5680,9 @@
         </p:nvSpPr>
         <p:spPr/>
         <p:txBody>
-          <a:bodyPr/>
+          <a:bodyPr>
+            <a:normAutofit lnSpcReduction="10000"/>
+          </a:bodyPr>
           <a:lstStyle/>
           <a:p>
             <a:r>
@@ -5169,6 +5726,49 @@
             </a:r>
           </a:p>
           <a:p>
+            <a:pPr lvl="2"/>
+            <a:r>
+              <a:rPr lang="en-US" dirty="0" smtClean="0"/>
+              <a:t>Literal </a:t>
+            </a:r>
+            <a:r>
+              <a:rPr lang="en-US" dirty="0" err="1" smtClean="0"/>
+              <a:t>vs</a:t>
+            </a:r>
+            <a:r>
+              <a:rPr lang="en-US" dirty="0" smtClean="0"/>
+              <a:t> figurative meaning</a:t>
+            </a:r>
+          </a:p>
+          <a:p>
+            <a:pPr lvl="3"/>
+            <a:r>
+              <a:rPr lang="en-US" dirty="0" smtClean="0"/>
+              <a:t>“I am dying from laughter”</a:t>
+            </a:r>
+          </a:p>
+          <a:p>
+            <a:pPr lvl="3"/>
+            <a:r>
+              <a:rPr lang="en-US" dirty="0" smtClean="0"/>
+              <a:t>“I am bored to death”</a:t>
+            </a:r>
+          </a:p>
+          <a:p>
+            <a:pPr lvl="2"/>
+            <a:r>
+              <a:rPr lang="en-US" dirty="0" smtClean="0"/>
+              <a:t>Connotations</a:t>
+            </a:r>
+          </a:p>
+          <a:p>
+            <a:pPr lvl="3"/>
+            <a:r>
+              <a:rPr lang="en-US" dirty="0" smtClean="0"/>
+              <a:t>“Dog”</a:t>
+            </a:r>
+          </a:p>
+          <a:p>
             <a:r>
               <a:rPr lang="en-US" dirty="0" smtClean="0"/>
               <a:t>Rhetorical devices create complications</a:t>
@@ -5182,12 +5782,18 @@
             </a:r>
           </a:p>
           <a:p>
+            <a:pPr lvl="2"/>
+            <a:r>
+              <a:rPr lang="en-US" dirty="0" smtClean="0"/>
+              <a:t>French company Spotter detects sarcastic comments w/ 80% accuracy</a:t>
+            </a:r>
+          </a:p>
+          <a:p>
             <a:pPr lvl="1"/>
             <a:r>
               <a:rPr lang="en-US" dirty="0" smtClean="0"/>
               <a:t>Irony</a:t>
             </a:r>
-            <a:endParaRPr lang="en-US" dirty="0"/>
           </a:p>
         </p:txBody>
       </p:sp>
@@ -5224,6 +5830,13 @@
   <p:clrMapOvr>
     <a:masterClrMapping/>
   </p:clrMapOvr>
+  <p:timing>
+    <p:tnLst>
+      <p:par>
+        <p:cTn xmlns:p14="http://schemas.microsoft.com/office/powerpoint/2010/main" id="1" dur="indefinite" restart="never" nodeType="tmRoot"/>
+      </p:par>
+    </p:tnLst>
+  </p:timing>
 </p:sld>
 </file>
 
@@ -5354,6 +5967,13 @@
   <p:clrMapOvr>
     <a:masterClrMapping/>
   </p:clrMapOvr>
+  <p:timing>
+    <p:tnLst>
+      <p:par>
+        <p:cTn xmlns:p14="http://schemas.microsoft.com/office/powerpoint/2010/main" id="1" dur="indefinite" restart="never" nodeType="tmRoot"/>
+      </p:par>
+    </p:tnLst>
+  </p:timing>
 </p:sld>
 </file>
 
@@ -5974,6 +6594,13 @@
   <p:clrMapOvr>
     <a:masterClrMapping/>
   </p:clrMapOvr>
+  <p:timing>
+    <p:tnLst>
+      <p:par>
+        <p:cTn xmlns:p14="http://schemas.microsoft.com/office/powerpoint/2010/main" id="1" dur="indefinite" restart="never" nodeType="tmRoot"/>
+      </p:par>
+    </p:tnLst>
+  </p:timing>
 </p:sld>
 </file>
 
@@ -6011,7 +6638,219 @@
           <a:p>
             <a:r>
               <a:rPr lang="en-US" dirty="0" smtClean="0"/>
+              <a:t>Extract tweets</a:t>
+            </a:r>
+          </a:p>
+          <a:p>
+            <a:r>
+              <a:rPr lang="en-US" dirty="0" smtClean="0"/>
+              <a:t>Filter unimportant information—absence of sentiment</a:t>
+            </a:r>
+          </a:p>
+          <a:p>
+            <a:pPr lvl="1"/>
+            <a:r>
+              <a:rPr lang="en-US" dirty="0" smtClean="0"/>
+              <a:t>Usernames, </a:t>
+            </a:r>
+            <a:r>
+              <a:rPr lang="en-US" dirty="0" err="1" smtClean="0"/>
+              <a:t>hashtags</a:t>
+            </a:r>
+            <a:r>
+              <a:rPr lang="en-US" dirty="0" smtClean="0"/>
+              <a:t>, </a:t>
+            </a:r>
+            <a:r>
+              <a:rPr lang="en-US" dirty="0" err="1" smtClean="0"/>
+              <a:t>retweets</a:t>
+            </a:r>
+            <a:r>
+              <a:rPr lang="en-US" dirty="0" smtClean="0"/>
+              <a:t>, some punctuation</a:t>
+            </a:r>
+          </a:p>
+          <a:p>
+            <a:pPr lvl="1"/>
+            <a:r>
+              <a:rPr lang="en-US" dirty="0" err="1" smtClean="0"/>
+              <a:t>Stopwords</a:t>
+            </a:r>
+            <a:r>
+              <a:rPr lang="en-US" dirty="0" smtClean="0"/>
+              <a:t>—articles, prepositions, pronouns</a:t>
+            </a:r>
+          </a:p>
+          <a:p>
+            <a:pPr lvl="0">
+              <a:buClr>
+                <a:srgbClr val="C66951"/>
+              </a:buClr>
+            </a:pPr>
+            <a:r>
+              <a:rPr lang="en-US" dirty="0" smtClean="0">
+                <a:solidFill>
+                  <a:srgbClr val="534949"/>
+                </a:solidFill>
+              </a:rPr>
+              <a:t>Challenges</a:t>
+            </a:r>
+          </a:p>
+          <a:p>
+            <a:pPr lvl="1">
+              <a:buClr>
+                <a:srgbClr val="C66951"/>
+              </a:buClr>
+            </a:pPr>
+            <a:r>
+              <a:rPr lang="en-US" dirty="0" smtClean="0">
+                <a:solidFill>
+                  <a:srgbClr val="534949"/>
+                </a:solidFill>
+              </a:rPr>
+              <a:t>Length constraint</a:t>
+            </a:r>
+          </a:p>
+          <a:p>
+            <a:pPr lvl="2">
+              <a:buClr>
+                <a:srgbClr val="C66951"/>
+              </a:buClr>
+            </a:pPr>
+            <a:r>
+              <a:rPr lang="en-US" dirty="0" smtClean="0">
+                <a:solidFill>
+                  <a:srgbClr val="534949"/>
+                </a:solidFill>
+              </a:rPr>
+              <a:t>Slang</a:t>
+            </a:r>
+          </a:p>
+          <a:p>
+            <a:pPr lvl="2">
+              <a:buClr>
+                <a:srgbClr val="C66951"/>
+              </a:buClr>
+            </a:pPr>
+            <a:r>
+              <a:rPr lang="en-US" dirty="0" smtClean="0">
+                <a:solidFill>
+                  <a:srgbClr val="534949"/>
+                </a:solidFill>
+              </a:rPr>
+              <a:t>Misspelled words</a:t>
+            </a:r>
+          </a:p>
+          <a:p>
+            <a:pPr lvl="1">
+              <a:buClr>
+                <a:srgbClr val="C66951"/>
+              </a:buClr>
+            </a:pPr>
+            <a:r>
+              <a:rPr lang="en-US" dirty="0" smtClean="0">
+                <a:solidFill>
+                  <a:srgbClr val="534949"/>
+                </a:solidFill>
+              </a:rPr>
+              <a:t>Age groups</a:t>
+            </a:r>
+          </a:p>
+          <a:p>
+            <a:pPr lvl="1">
+              <a:buClr>
+                <a:srgbClr val="C66951"/>
+              </a:buClr>
+            </a:pPr>
+            <a:endParaRPr lang="en-US" dirty="0">
+              <a:solidFill>
+                <a:srgbClr val="534949"/>
+              </a:solidFill>
+            </a:endParaRPr>
+          </a:p>
+          <a:p>
+            <a:pPr lvl="1"/>
+            <a:endParaRPr lang="en-US" dirty="0"/>
+          </a:p>
+        </p:txBody>
+      </p:sp>
+      <p:sp>
+        <p:nvSpPr>
+          <p:cNvPr id="3" name="Title 2"/>
+          <p:cNvSpPr>
+            <a:spLocks noGrp="1"/>
+          </p:cNvSpPr>
+          <p:nvPr>
+            <p:ph type="title"/>
+          </p:nvPr>
+        </p:nvSpPr>
+        <p:spPr/>
+        <p:txBody>
+          <a:bodyPr/>
+          <a:lstStyle/>
+          <a:p>
+            <a:r>
+              <a:rPr lang="en-US" dirty="0" smtClean="0"/>
+              <a:t>twitter</a:t>
+            </a:r>
+            <a:endParaRPr lang="en-US" dirty="0"/>
+          </a:p>
+        </p:txBody>
+      </p:sp>
+    </p:spTree>
+    <p:extLst>
+      <p:ext uri="{BB962C8B-B14F-4D97-AF65-F5344CB8AC3E}">
+        <p14:creationId xmlns:p14="http://schemas.microsoft.com/office/powerpoint/2010/main" val="348620671"/>
+      </p:ext>
+    </p:extLst>
+  </p:cSld>
+  <p:clrMapOvr>
+    <a:masterClrMapping/>
+  </p:clrMapOvr>
+</p:sld>
+</file>
+
+<file path=ppt/slides/slide9.xml><?xml version="1.0" encoding="utf-8"?>
+<p:sld xmlns:a="http://schemas.openxmlformats.org/drawingml/2006/main" xmlns:r="http://schemas.openxmlformats.org/officeDocument/2006/relationships" xmlns:p="http://schemas.openxmlformats.org/presentationml/2006/main">
+  <p:cSld>
+    <p:spTree>
+      <p:nvGrpSpPr>
+        <p:cNvPr id="1" name=""/>
+        <p:cNvGrpSpPr/>
+        <p:nvPr/>
+      </p:nvGrpSpPr>
+      <p:grpSpPr>
+        <a:xfrm>
+          <a:off x="0" y="0"/>
+          <a:ext cx="0" cy="0"/>
+          <a:chOff x="0" y="0"/>
+          <a:chExt cx="0" cy="0"/>
+        </a:xfrm>
+      </p:grpSpPr>
+      <p:sp>
+        <p:nvSpPr>
+          <p:cNvPr id="2" name="Content Placeholder 1"/>
+          <p:cNvSpPr>
+            <a:spLocks noGrp="1"/>
+          </p:cNvSpPr>
+          <p:nvPr>
+            <p:ph idx="1"/>
+          </p:nvPr>
+        </p:nvSpPr>
+        <p:spPr/>
+        <p:txBody>
+          <a:bodyPr/>
+          <a:lstStyle/>
+          <a:p>
+            <a:r>
+              <a:rPr lang="en-US" dirty="0" smtClean="0"/>
               <a:t>Supervised learning</a:t>
+            </a:r>
+          </a:p>
+          <a:p>
+            <a:r>
+              <a:rPr lang="en-US" dirty="0" smtClean="0"/>
+              <a:t>Extracted ~4000 tweets and manually classified</a:t>
             </a:r>
           </a:p>
           <a:p>
@@ -6117,231 +6956,6 @@
     <p:extLst>
       <p:ext uri="{BB962C8B-B14F-4D97-AF65-F5344CB8AC3E}">
         <p14:creationId xmlns:p14="http://schemas.microsoft.com/office/powerpoint/2010/main" val="3804343312"/>
-      </p:ext>
-    </p:extLst>
-  </p:cSld>
-  <p:clrMapOvr>
-    <a:masterClrMapping/>
-  </p:clrMapOvr>
-</p:sld>
-</file>
-
-<file path=ppt/slides/slide9.xml><?xml version="1.0" encoding="utf-8"?>
-<p:sld xmlns:a="http://schemas.openxmlformats.org/drawingml/2006/main" xmlns:r="http://schemas.openxmlformats.org/officeDocument/2006/relationships" xmlns:p="http://schemas.openxmlformats.org/presentationml/2006/main">
-  <p:cSld>
-    <p:spTree>
-      <p:nvGrpSpPr>
-        <p:cNvPr id="1" name=""/>
-        <p:cNvGrpSpPr/>
-        <p:nvPr/>
-      </p:nvGrpSpPr>
-      <p:grpSpPr>
-        <a:xfrm>
-          <a:off x="0" y="0"/>
-          <a:ext cx="0" cy="0"/>
-          <a:chOff x="0" y="0"/>
-          <a:chExt cx="0" cy="0"/>
-        </a:xfrm>
-      </p:grpSpPr>
-      <p:sp>
-        <p:nvSpPr>
-          <p:cNvPr id="2" name="Content Placeholder 1"/>
-          <p:cNvSpPr>
-            <a:spLocks noGrp="1"/>
-          </p:cNvSpPr>
-          <p:nvPr>
-            <p:ph idx="1"/>
-          </p:nvPr>
-        </p:nvSpPr>
-        <p:spPr/>
-        <p:txBody>
-          <a:bodyPr/>
-          <a:lstStyle/>
-          <a:p>
-            <a:pPr marL="274320" lvl="1" indent="-228600">
-              <a:buClr>
-                <a:schemeClr val="accent1"/>
-              </a:buClr>
-              <a:buFont typeface="Wingdings 2" pitchFamily="18" charset="2"/>
-              <a:buChar char=""/>
-            </a:pPr>
-            <a:r>
-              <a:rPr lang="en-US" sz="2000" dirty="0" smtClean="0"/>
-              <a:t>Vector class</a:t>
-            </a:r>
-          </a:p>
-          <a:p>
-            <a:pPr marL="548640" lvl="2" indent="-228600">
-              <a:buClr>
-                <a:schemeClr val="accent1"/>
-              </a:buClr>
-              <a:buFont typeface="Wingdings 2" pitchFamily="18" charset="2"/>
-              <a:buChar char=""/>
-            </a:pPr>
-            <a:r>
-              <a:rPr lang="en-US" dirty="0" smtClean="0"/>
-              <a:t>An extended dictionary</a:t>
-            </a:r>
-          </a:p>
-          <a:p>
-            <a:pPr marL="548640" lvl="2" indent="-228600">
-              <a:buClr>
-                <a:schemeClr val="accent1"/>
-              </a:buClr>
-              <a:buFont typeface="Wingdings 2" pitchFamily="18" charset="2"/>
-              <a:buChar char=""/>
-            </a:pPr>
-            <a:r>
-              <a:rPr lang="en-US" sz="1800" dirty="0" smtClean="0"/>
-              <a:t>{ “</a:t>
-            </a:r>
-            <a:r>
-              <a:rPr lang="en-US" sz="1800" dirty="0" err="1" smtClean="0"/>
-              <a:t>sentinment</a:t>
-            </a:r>
-            <a:r>
-              <a:rPr lang="en-US" sz="1800" dirty="0" smtClean="0"/>
-              <a:t>” : { “feature1”:freq/total, “feature2”:freq/total, … } }</a:t>
-            </a:r>
-          </a:p>
-          <a:p>
-            <a:pPr marL="274320" lvl="1" indent="-228600">
-              <a:buClr>
-                <a:schemeClr val="accent1"/>
-              </a:buClr>
-              <a:buFont typeface="Wingdings 2" pitchFamily="18" charset="2"/>
-              <a:buChar char=""/>
-            </a:pPr>
-            <a:r>
-              <a:rPr lang="en-US" sz="2000" dirty="0" smtClean="0"/>
-              <a:t>Count feature word frequency and normalize vector </a:t>
-            </a:r>
-          </a:p>
-          <a:p>
-            <a:r>
-              <a:rPr lang="en-US" dirty="0" smtClean="0"/>
-              <a:t>sanitize() - sanitizes tweet</a:t>
-            </a:r>
-          </a:p>
-          <a:p>
-            <a:pPr lvl="1"/>
-            <a:r>
-              <a:rPr lang="en-US" dirty="0" smtClean="0"/>
-              <a:t>Filter out useless (absence of sentiment) data</a:t>
-            </a:r>
-          </a:p>
-          <a:p>
-            <a:pPr lvl="1"/>
-            <a:r>
-              <a:rPr lang="en-US" dirty="0" smtClean="0"/>
-              <a:t>Remove @username, RT (</a:t>
-            </a:r>
-            <a:r>
-              <a:rPr lang="en-US" dirty="0" err="1" smtClean="0"/>
-              <a:t>retweet</a:t>
-            </a:r>
-            <a:r>
-              <a:rPr lang="en-US" dirty="0" smtClean="0"/>
-              <a:t>), #</a:t>
-            </a:r>
-            <a:r>
-              <a:rPr lang="en-US" dirty="0" err="1" smtClean="0"/>
-              <a:t>hashtag</a:t>
-            </a:r>
-            <a:r>
-              <a:rPr lang="en-US" dirty="0" smtClean="0"/>
-              <a:t>, URLs, </a:t>
-            </a:r>
-            <a:r>
-              <a:rPr lang="en-US" dirty="0" err="1" smtClean="0"/>
-              <a:t>stopwords</a:t>
-            </a:r>
-            <a:r>
-              <a:rPr lang="en-US" dirty="0" smtClean="0"/>
-              <a:t>, most punctuation</a:t>
-            </a:r>
-          </a:p>
-          <a:p>
-            <a:pPr lvl="1"/>
-            <a:r>
-              <a:rPr lang="en-US" dirty="0" smtClean="0"/>
-              <a:t>“RT @</a:t>
-            </a:r>
-            <a:r>
-              <a:rPr lang="en-US" dirty="0" err="1" smtClean="0"/>
-              <a:t>nishad</a:t>
-            </a:r>
-            <a:r>
-              <a:rPr lang="en-US" dirty="0" smtClean="0"/>
-              <a:t> very excited for the summer!” =&gt; [“excited”, “summer”]</a:t>
-            </a:r>
-          </a:p>
-          <a:p>
-            <a:pPr lvl="1"/>
-            <a:r>
-              <a:rPr lang="en-US" dirty="0" smtClean="0"/>
-              <a:t>Used </a:t>
-            </a:r>
-            <a:r>
-              <a:rPr lang="en-US" dirty="0" err="1" smtClean="0"/>
-              <a:t>nltk.stopwords</a:t>
-            </a:r>
-            <a:r>
-              <a:rPr lang="en-US" dirty="0" smtClean="0"/>
-              <a:t>, regular expressions for punctuation</a:t>
-            </a:r>
-          </a:p>
-          <a:p>
-            <a:pPr lvl="1"/>
-            <a:endParaRPr lang="en-US" dirty="0" smtClean="0"/>
-          </a:p>
-          <a:p>
-            <a:pPr lvl="1"/>
-            <a:endParaRPr lang="en-US" dirty="0" smtClean="0"/>
-          </a:p>
-          <a:p>
-            <a:pPr marL="365760" lvl="1" indent="0">
-              <a:buNone/>
-            </a:pPr>
-            <a:endParaRPr lang="en-US" dirty="0" smtClean="0"/>
-          </a:p>
-          <a:p>
-            <a:pPr lvl="2"/>
-            <a:endParaRPr lang="en-US" dirty="0" smtClean="0"/>
-          </a:p>
-          <a:p>
-            <a:pPr lvl="2"/>
-            <a:endParaRPr lang="en-US" dirty="0" smtClean="0"/>
-          </a:p>
-        </p:txBody>
-      </p:sp>
-      <p:sp>
-        <p:nvSpPr>
-          <p:cNvPr id="3" name="Title 2"/>
-          <p:cNvSpPr>
-            <a:spLocks noGrp="1"/>
-          </p:cNvSpPr>
-          <p:nvPr>
-            <p:ph type="title"/>
-          </p:nvPr>
-        </p:nvSpPr>
-        <p:spPr/>
-        <p:txBody>
-          <a:bodyPr/>
-          <a:lstStyle/>
-          <a:p>
-            <a:r>
-              <a:rPr lang="en-US" dirty="0" smtClean="0"/>
-              <a:t>TRAINING (cont.)</a:t>
-            </a:r>
-            <a:endParaRPr lang="en-US" dirty="0"/>
-          </a:p>
-        </p:txBody>
-      </p:sp>
-    </p:spTree>
-    <p:extLst>
-      <p:ext uri="{BB962C8B-B14F-4D97-AF65-F5344CB8AC3E}">
-        <p14:creationId xmlns:p14="http://schemas.microsoft.com/office/powerpoint/2010/main" val="1237635951"/>
       </p:ext>
     </p:extLst>
   </p:cSld>
